--- a/PF-Lecture-02.pptx
+++ b/PF-Lecture-02.pptx
@@ -331,7 +331,7 @@
             <a:fld id="{1D8BD707-D9CF-40AE-B4C6-C98DA3205C09}" type="datetimeFigureOut">
               <a:rPr lang="en-US" smtClean="0"/>
               <a:pPr/>
-              <a:t>11/26/2024</a:t>
+              <a:t>12/9/2024</a:t>
             </a:fld>
             <a:endParaRPr lang="en-US"/>
           </a:p>
@@ -496,7 +496,7 @@
             <a:fld id="{1D8BD707-D9CF-40AE-B4C6-C98DA3205C09}" type="datetimeFigureOut">
               <a:rPr lang="en-US" smtClean="0"/>
               <a:pPr/>
-              <a:t>11/26/2024</a:t>
+              <a:t>12/9/2024</a:t>
             </a:fld>
             <a:endParaRPr lang="en-US"/>
           </a:p>
@@ -671,7 +671,7 @@
             <a:fld id="{1D8BD707-D9CF-40AE-B4C6-C98DA3205C09}" type="datetimeFigureOut">
               <a:rPr lang="en-US" smtClean="0"/>
               <a:pPr/>
-              <a:t>11/26/2024</a:t>
+              <a:t>12/9/2024</a:t>
             </a:fld>
             <a:endParaRPr lang="en-US"/>
           </a:p>
@@ -836,7 +836,7 @@
             <a:fld id="{1D8BD707-D9CF-40AE-B4C6-C98DA3205C09}" type="datetimeFigureOut">
               <a:rPr lang="en-US" smtClean="0"/>
               <a:pPr/>
-              <a:t>11/26/2024</a:t>
+              <a:t>12/9/2024</a:t>
             </a:fld>
             <a:endParaRPr lang="en-US"/>
           </a:p>
@@ -1078,7 +1078,7 @@
             <a:fld id="{1D8BD707-D9CF-40AE-B4C6-C98DA3205C09}" type="datetimeFigureOut">
               <a:rPr lang="en-US" smtClean="0"/>
               <a:pPr/>
-              <a:t>11/26/2024</a:t>
+              <a:t>12/9/2024</a:t>
             </a:fld>
             <a:endParaRPr lang="en-US"/>
           </a:p>
@@ -1360,7 +1360,7 @@
             <a:fld id="{1D8BD707-D9CF-40AE-B4C6-C98DA3205C09}" type="datetimeFigureOut">
               <a:rPr lang="en-US" smtClean="0"/>
               <a:pPr/>
-              <a:t>11/26/2024</a:t>
+              <a:t>12/9/2024</a:t>
             </a:fld>
             <a:endParaRPr lang="en-US"/>
           </a:p>
@@ -1776,7 +1776,7 @@
             <a:fld id="{1D8BD707-D9CF-40AE-B4C6-C98DA3205C09}" type="datetimeFigureOut">
               <a:rPr lang="en-US" smtClean="0"/>
               <a:pPr/>
-              <a:t>11/26/2024</a:t>
+              <a:t>12/9/2024</a:t>
             </a:fld>
             <a:endParaRPr lang="en-US"/>
           </a:p>
@@ -1890,7 +1890,7 @@
             <a:fld id="{1D8BD707-D9CF-40AE-B4C6-C98DA3205C09}" type="datetimeFigureOut">
               <a:rPr lang="en-US" smtClean="0"/>
               <a:pPr/>
-              <a:t>11/26/2024</a:t>
+              <a:t>12/9/2024</a:t>
             </a:fld>
             <a:endParaRPr lang="en-US"/>
           </a:p>
@@ -1982,7 +1982,7 @@
             <a:fld id="{1D8BD707-D9CF-40AE-B4C6-C98DA3205C09}" type="datetimeFigureOut">
               <a:rPr lang="en-US" smtClean="0"/>
               <a:pPr/>
-              <a:t>11/26/2024</a:t>
+              <a:t>12/9/2024</a:t>
             </a:fld>
             <a:endParaRPr lang="en-US"/>
           </a:p>
@@ -2254,7 +2254,7 @@
             <a:fld id="{1D8BD707-D9CF-40AE-B4C6-C98DA3205C09}" type="datetimeFigureOut">
               <a:rPr lang="en-US" smtClean="0"/>
               <a:pPr/>
-              <a:t>11/26/2024</a:t>
+              <a:t>12/9/2024</a:t>
             </a:fld>
             <a:endParaRPr lang="en-US"/>
           </a:p>
@@ -2503,7 +2503,7 @@
             <a:fld id="{1D8BD707-D9CF-40AE-B4C6-C98DA3205C09}" type="datetimeFigureOut">
               <a:rPr lang="en-US" smtClean="0"/>
               <a:pPr/>
-              <a:t>11/26/2024</a:t>
+              <a:t>12/9/2024</a:t>
             </a:fld>
             <a:endParaRPr lang="en-US"/>
           </a:p>
@@ -2711,7 +2711,7 @@
             <a:fld id="{1D8BD707-D9CF-40AE-B4C6-C98DA3205C09}" type="datetimeFigureOut">
               <a:rPr lang="en-US" smtClean="0"/>
               <a:pPr/>
-              <a:t>11/26/2024</a:t>
+              <a:t>12/9/2024</a:t>
             </a:fld>
             <a:endParaRPr lang="en-US"/>
           </a:p>
@@ -12190,7 +12190,7 @@
                 <a:cs typeface="Times New Roman" panose="02020603050405020304" pitchFamily="18" charset="0"/>
                 <a:sym typeface="Lato"/>
               </a:rPr>
-              <a:t>Comparison Operators</a:t>
+              <a:t>Comparison Operators || Relational Operators</a:t>
             </a:r>
           </a:p>
           <a:p>
